--- a/Slides/Class03.pptx
+++ b/Slides/Class03.pptx
@@ -228,7 +228,7 @@
           <a:p>
             <a:fld id="{C24322AF-E05B-7249-906C-FBAC6154C037}" type="datetimeFigureOut">
               <a:rPr lang="en-US" smtClean="0"/>
-              <a:t>12/11/18</a:t>
+              <a:t>6/18/25</a:t>
             </a:fld>
             <a:endParaRPr lang="en-US"/>
           </a:p>
@@ -394,7 +394,7 @@
             <a:fld id="{06A43BE5-3BD4-F642-8751-88A31D8D6D13}" type="datetimeFigureOut">
               <a:rPr lang="en-US" smtClean="0"/>
               <a:pPr/>
-              <a:t>12/11/18</a:t>
+              <a:t>6/18/25</a:t>
             </a:fld>
             <a:endParaRPr lang="en-US"/>
           </a:p>
@@ -937,7 +937,7 @@
             <a:fld id="{A4FA2B0E-4818-9849-9CF1-1031FD4E1DAB}" type="datetimeFigureOut">
               <a:rPr lang="en-US" smtClean="0"/>
               <a:pPr/>
-              <a:t>12/11/18</a:t>
+              <a:t>6/18/25</a:t>
             </a:fld>
             <a:endParaRPr lang="en-US"/>
           </a:p>
@@ -1102,7 +1102,7 @@
             <a:fld id="{A4FA2B0E-4818-9849-9CF1-1031FD4E1DAB}" type="datetimeFigureOut">
               <a:rPr lang="en-US" smtClean="0"/>
               <a:pPr/>
-              <a:t>12/11/18</a:t>
+              <a:t>6/18/25</a:t>
             </a:fld>
             <a:endParaRPr lang="en-US"/>
           </a:p>
@@ -1277,7 +1277,7 @@
             <a:fld id="{A4FA2B0E-4818-9849-9CF1-1031FD4E1DAB}" type="datetimeFigureOut">
               <a:rPr lang="en-US" smtClean="0"/>
               <a:pPr/>
-              <a:t>12/11/18</a:t>
+              <a:t>6/18/25</a:t>
             </a:fld>
             <a:endParaRPr lang="en-US"/>
           </a:p>
@@ -1520,7 +1520,7 @@
                 </a:solidFill>
               </a:rPr>
               <a:pPr/>
-              <a:t>12/11/18</a:t>
+              <a:t>6/18/25</a:t>
             </a:fld>
             <a:endParaRPr lang="en-US">
               <a:solidFill>
@@ -1709,7 +1709,7 @@
             <a:fld id="{A4FA2B0E-4818-9849-9CF1-1031FD4E1DAB}" type="datetimeFigureOut">
               <a:rPr lang="en-US" smtClean="0"/>
               <a:pPr/>
-              <a:t>12/11/18</a:t>
+              <a:t>6/18/25</a:t>
             </a:fld>
             <a:endParaRPr lang="en-US"/>
           </a:p>
@@ -1951,7 +1951,7 @@
             <a:fld id="{A4FA2B0E-4818-9849-9CF1-1031FD4E1DAB}" type="datetimeFigureOut">
               <a:rPr lang="en-US" smtClean="0"/>
               <a:pPr/>
-              <a:t>12/11/18</a:t>
+              <a:t>6/18/25</a:t>
             </a:fld>
             <a:endParaRPr lang="en-US"/>
           </a:p>
@@ -2233,7 +2233,7 @@
             <a:fld id="{A4FA2B0E-4818-9849-9CF1-1031FD4E1DAB}" type="datetimeFigureOut">
               <a:rPr lang="en-US" smtClean="0"/>
               <a:pPr/>
-              <a:t>12/11/18</a:t>
+              <a:t>6/18/25</a:t>
             </a:fld>
             <a:endParaRPr lang="en-US"/>
           </a:p>
@@ -2649,7 +2649,7 @@
             <a:fld id="{A4FA2B0E-4818-9849-9CF1-1031FD4E1DAB}" type="datetimeFigureOut">
               <a:rPr lang="en-US" smtClean="0"/>
               <a:pPr/>
-              <a:t>12/11/18</a:t>
+              <a:t>6/18/25</a:t>
             </a:fld>
             <a:endParaRPr lang="en-US"/>
           </a:p>
@@ -2763,7 +2763,7 @@
             <a:fld id="{A4FA2B0E-4818-9849-9CF1-1031FD4E1DAB}" type="datetimeFigureOut">
               <a:rPr lang="en-US" smtClean="0"/>
               <a:pPr/>
-              <a:t>12/11/18</a:t>
+              <a:t>6/18/25</a:t>
             </a:fld>
             <a:endParaRPr lang="en-US"/>
           </a:p>
@@ -2855,7 +2855,7 @@
             <a:fld id="{A4FA2B0E-4818-9849-9CF1-1031FD4E1DAB}" type="datetimeFigureOut">
               <a:rPr lang="en-US" smtClean="0"/>
               <a:pPr/>
-              <a:t>12/11/18</a:t>
+              <a:t>6/18/25</a:t>
             </a:fld>
             <a:endParaRPr lang="en-US"/>
           </a:p>
@@ -3127,7 +3127,7 @@
             <a:fld id="{A4FA2B0E-4818-9849-9CF1-1031FD4E1DAB}" type="datetimeFigureOut">
               <a:rPr lang="en-US" smtClean="0"/>
               <a:pPr/>
-              <a:t>12/11/18</a:t>
+              <a:t>6/18/25</a:t>
             </a:fld>
             <a:endParaRPr lang="en-US"/>
           </a:p>
@@ -3376,7 +3376,7 @@
             <a:fld id="{A4FA2B0E-4818-9849-9CF1-1031FD4E1DAB}" type="datetimeFigureOut">
               <a:rPr lang="en-US" smtClean="0"/>
               <a:pPr/>
-              <a:t>12/11/18</a:t>
+              <a:t>6/18/25</a:t>
             </a:fld>
             <a:endParaRPr lang="en-US"/>
           </a:p>
@@ -3584,7 +3584,7 @@
             <a:fld id="{A4FA2B0E-4818-9849-9CF1-1031FD4E1DAB}" type="datetimeFigureOut">
               <a:rPr lang="en-US" smtClean="0"/>
               <a:pPr/>
-              <a:t>12/11/18</a:t>
+              <a:t>6/18/25</a:t>
             </a:fld>
             <a:endParaRPr lang="en-US"/>
           </a:p>
@@ -4095,7 +4095,7 @@
                 </a:solidFill>
               </a:rPr>
               <a:pPr/>
-              <a:t>12/11/18</a:t>
+              <a:t>6/18/25</a:t>
             </a:fld>
             <a:endParaRPr lang="en-US">
               <a:solidFill>
@@ -4553,7 +4553,7 @@
                 <a:latin typeface="Times New Roman"/>
                 <a:cs typeface="Times New Roman"/>
               </a:rPr>
-              <a:t>Research Ethics Presentations</a:t>
+              <a:t>Faculty Presentations</a:t>
             </a:r>
           </a:p>
           <a:p>
@@ -4566,7 +4566,7 @@
                 <a:latin typeface="Times New Roman"/>
                 <a:cs typeface="Times New Roman"/>
               </a:rPr>
-              <a:t>Faculty Presentations</a:t>
+              <a:t>Research Ethics Presentations</a:t>
             </a:r>
           </a:p>
         </p:txBody>
@@ -4979,7 +4979,7 @@
                 <a:ea typeface="MS Mincho" panose="02020609040205080304" pitchFamily="49" charset="-128"/>
                 <a:cs typeface="Times New Roman" panose="02020603050405020304" pitchFamily="18" charset="0"/>
               </a:rPr>
-              <a:t>Make sure that the presentation time for both team members is equal</a:t>
+              <a:t>Make sure that the presentation time for each team member is equal</a:t>
             </a:r>
           </a:p>
         </p:txBody>
